--- a/PresentazioneProgetto.pptx
+++ b/PresentazioneProgetto.pptx
@@ -9025,7 +9025,7 @@
             </a:pPr>
             <a:r>
               <a:rPr lang="it" dirty="0"/>
-              <a:t> Dario Riccardi M63000990</a:t>
+              <a:t> Dario Riccardi</a:t>
             </a:r>
             <a:endParaRPr dirty="0"/>
           </a:p>
